--- a/딥러닝 강의자료.pptx
+++ b/딥러닝 강의자료.pptx
@@ -24,9 +24,10 @@
     <p:sldId id="260" r:id="rId18"/>
     <p:sldId id="262" r:id="rId19"/>
     <p:sldId id="263" r:id="rId20"/>
-    <p:sldId id="278" r:id="rId21"/>
-    <p:sldId id="285" r:id="rId22"/>
-    <p:sldId id="288" r:id="rId23"/>
+    <p:sldId id="291" r:id="rId21"/>
+    <p:sldId id="278" r:id="rId22"/>
+    <p:sldId id="285" r:id="rId23"/>
+    <p:sldId id="288" r:id="rId24"/>
   </p:sldIdLst>
   <p:sldSz cx="12192000" cy="6858000"/>
   <p:notesSz cx="6858000" cy="9144000"/>
@@ -24592,145 +24593,213 @@
           <a:chExt cx="0" cy="0"/>
         </a:xfrm>
       </p:grpSpPr>
-      <p:sp>
-        <p:nvSpPr>
-          <p:cNvPr id="2" name="제목 1"/>
-          <p:cNvSpPr>
-            <a:spLocks noGrp="1"/>
-          </p:cNvSpPr>
-          <p:nvPr>
-            <p:ph type="title"/>
-          </p:nvPr>
-        </p:nvSpPr>
-        <p:spPr/>
-        <p:txBody>
-          <a:bodyPr/>
-          <a:lstStyle/>
-          <a:p>
-            <a:r>
-              <a:rPr lang="ko-KR" altLang="en-US" dirty="0" err="1" smtClean="0"/>
-              <a:t>구글</a:t>
-            </a:r>
-            <a:r>
-              <a:rPr lang="ko-KR" altLang="en-US" dirty="0" smtClean="0"/>
-              <a:t> </a:t>
-            </a:r>
-            <a:r>
-              <a:rPr lang="en-US" altLang="ko-KR" dirty="0" err="1" smtClean="0"/>
-              <a:t>colab</a:t>
-            </a:r>
-            <a:r>
-              <a:rPr lang="en-US" altLang="ko-KR" dirty="0" smtClean="0"/>
-              <a:t> </a:t>
-            </a:r>
-            <a:r>
-              <a:rPr lang="en-US" altLang="ko-KR" sz="3600" dirty="0" smtClean="0"/>
-              <a:t>(</a:t>
-            </a:r>
-            <a:r>
-              <a:rPr lang="ko-KR" altLang="en-US" sz="3600" dirty="0" err="1" smtClean="0"/>
-              <a:t>파이썬용</a:t>
-            </a:r>
-            <a:r>
-              <a:rPr lang="ko-KR" altLang="en-US" sz="3600" dirty="0" smtClean="0"/>
-              <a:t> </a:t>
-            </a:r>
-            <a:r>
-              <a:rPr lang="ko-KR" altLang="en-US" sz="3600" dirty="0" err="1" smtClean="0"/>
-              <a:t>클라우드</a:t>
-            </a:r>
-            <a:r>
-              <a:rPr lang="ko-KR" altLang="en-US" sz="3600" dirty="0" smtClean="0"/>
-              <a:t> 컴퓨팅 서버</a:t>
-            </a:r>
-            <a:r>
-              <a:rPr lang="en-US" altLang="ko-KR" sz="3600" dirty="0" smtClean="0"/>
-              <a:t>)</a:t>
-            </a:r>
-            <a:endParaRPr lang="ko-KR" altLang="en-US" sz="3600" dirty="0"/>
-          </a:p>
-        </p:txBody>
-      </p:sp>
-      <p:sp>
-        <p:nvSpPr>
-          <p:cNvPr id="4" name="내용 개체 틀 3"/>
-          <p:cNvSpPr>
-            <a:spLocks noGrp="1"/>
-          </p:cNvSpPr>
-          <p:nvPr>
-            <p:ph idx="1"/>
-          </p:nvPr>
-        </p:nvSpPr>
-        <p:spPr/>
-        <p:txBody>
-          <a:bodyPr/>
-          <a:lstStyle/>
-          <a:p>
-            <a:endParaRPr lang="ko-KR" altLang="en-US" dirty="0"/>
-          </a:p>
-        </p:txBody>
-      </p:sp>
       <p:pic>
         <p:nvPicPr>
-          <p:cNvPr id="6" name="그림 5">
-            <a:hlinkClick r:id="rId2"/>
-          </p:cNvPr>
+          <p:cNvPr id="1026" name="Picture 2" descr="data flow graph"/>
           <p:cNvPicPr>
-            <a:picLocks noChangeAspect="1"/>
+            <a:picLocks noChangeAspect="1" noChangeArrowheads="1" noCrop="1"/>
           </p:cNvPicPr>
           <p:nvPr/>
         </p:nvPicPr>
         <p:blipFill>
-          <a:blip r:embed="rId3"/>
+          <a:blip r:embed="rId2">
+            <a:extLst>
+              <a:ext uri="{28A0092B-C50C-407E-A947-70E740481C1C}">
+                <a14:useLocalDpi xmlns:a14="http://schemas.microsoft.com/office/drawing/2010/main" val="0"/>
+              </a:ext>
+            </a:extLst>
+          </a:blip>
+          <a:srcRect/>
           <a:stretch>
             <a:fillRect/>
           </a:stretch>
         </p:blipFill>
-        <p:spPr>
-          <a:xfrm>
-            <a:off x="838200" y="1543555"/>
-            <a:ext cx="9446683" cy="4915477"/>
-          </a:xfrm>
-          <a:prstGeom prst="rect">
-            <a:avLst/>
-          </a:prstGeom>
+        <p:spPr bwMode="auto">
+          <a:xfrm>
+            <a:off x="6766973" y="158178"/>
+            <a:ext cx="3629357" cy="6452190"/>
+          </a:xfrm>
+          <a:prstGeom prst="rect">
+            <a:avLst/>
+          </a:prstGeom>
+          <a:noFill/>
+          <a:extLst>
+            <a:ext uri="{909E8E84-426E-40DD-AFC4-6F175D3DCCD1}">
+              <a14:hiddenFill xmlns:a14="http://schemas.microsoft.com/office/drawing/2010/main">
+                <a:solidFill>
+                  <a:srgbClr val="FFFFFF"/>
+                </a:solidFill>
+              </a14:hiddenFill>
+            </a:ext>
+          </a:extLst>
         </p:spPr>
       </p:pic>
-      <p:sp>
-        <p:nvSpPr>
-          <p:cNvPr id="3" name="직사각형 2"/>
-          <p:cNvSpPr/>
-          <p:nvPr/>
-        </p:nvSpPr>
-        <p:spPr>
-          <a:xfrm>
-            <a:off x="899607" y="1267381"/>
-            <a:ext cx="3805722" cy="369332"/>
-          </a:xfrm>
-          <a:prstGeom prst="rect">
-            <a:avLst/>
-          </a:prstGeom>
-        </p:spPr>
-        <p:txBody>
-          <a:bodyPr wrap="none">
+      <p:pic>
+        <p:nvPicPr>
+          <p:cNvPr id="1028" name="Picture 4" descr="tensorflow 이미지 검색결과"/>
+          <p:cNvPicPr>
+            <a:picLocks noChangeAspect="1" noChangeArrowheads="1"/>
+          </p:cNvPicPr>
+          <p:nvPr/>
+        </p:nvPicPr>
+        <p:blipFill>
+          <a:blip r:embed="rId3" cstate="print">
+            <a:extLst>
+              <a:ext uri="{28A0092B-C50C-407E-A947-70E740481C1C}">
+                <a14:useLocalDpi xmlns:a14="http://schemas.microsoft.com/office/drawing/2010/main" val="0"/>
+              </a:ext>
+            </a:extLst>
+          </a:blip>
+          <a:srcRect/>
+          <a:stretch>
+            <a:fillRect/>
+          </a:stretch>
+        </p:blipFill>
+        <p:spPr bwMode="auto">
+          <a:xfrm>
+            <a:off x="717589" y="695739"/>
+            <a:ext cx="3975653" cy="2236305"/>
+          </a:xfrm>
+          <a:prstGeom prst="rect">
+            <a:avLst/>
+          </a:prstGeom>
+          <a:noFill/>
+          <a:extLst>
+            <a:ext uri="{909E8E84-426E-40DD-AFC4-6F175D3DCCD1}">
+              <a14:hiddenFill xmlns:a14="http://schemas.microsoft.com/office/drawing/2010/main">
+                <a:solidFill>
+                  <a:srgbClr val="FFFFFF"/>
+                </a:solidFill>
+              </a14:hiddenFill>
+            </a:ext>
+          </a:extLst>
+        </p:spPr>
+      </p:pic>
+      <p:sp>
+        <p:nvSpPr>
+          <p:cNvPr id="4" name="TextBox 3"/>
+          <p:cNvSpPr txBox="1"/>
+          <p:nvPr/>
+        </p:nvSpPr>
+        <p:spPr>
+          <a:xfrm>
+            <a:off x="588380" y="3697357"/>
+            <a:ext cx="6488281" cy="2400657"/>
+          </a:xfrm>
+          <a:prstGeom prst="rect">
+            <a:avLst/>
+          </a:prstGeom>
+          <a:noFill/>
+        </p:spPr>
+        <p:txBody>
+          <a:bodyPr wrap="square" rtlCol="0">
             <a:spAutoFit/>
           </a:bodyPr>
           <a:lstStyle/>
           <a:p>
-            <a:r>
-              <a:rPr lang="en-US" altLang="ko-KR" dirty="0">
-                <a:hlinkClick r:id="rId4"/>
-              </a:rPr>
-              <a:t>https://colab.research.google.com/</a:t>
-            </a:r>
-            <a:endParaRPr lang="ko-KR" altLang="en-US" dirty="0"/>
+            <a:pPr marL="285750" indent="-285750">
+              <a:lnSpc>
+                <a:spcPct val="150000"/>
+              </a:lnSpc>
+              <a:buFont typeface="Arial" panose="020B0604020202020204" pitchFamily="34" charset="0"/>
+              <a:buChar char="•"/>
+            </a:pPr>
+            <a:r>
+              <a:rPr lang="en-US" altLang="ko-KR" sz="2000" b="1" dirty="0" smtClean="0"/>
+              <a:t>Google</a:t>
+            </a:r>
+            <a:r>
+              <a:rPr lang="ko-KR" altLang="en-US" sz="2000" dirty="0" smtClean="0"/>
+              <a:t>이</a:t>
+            </a:r>
+            <a:r>
+              <a:rPr lang="en-US" altLang="ko-KR" sz="2000" dirty="0" smtClean="0"/>
+              <a:t> </a:t>
+            </a:r>
+            <a:r>
+              <a:rPr lang="ko-KR" altLang="en-US" sz="2000" dirty="0" smtClean="0"/>
+              <a:t>제공하는 </a:t>
+            </a:r>
+            <a:r>
+              <a:rPr lang="ko-KR" altLang="en-US" sz="2000" dirty="0" err="1" smtClean="0"/>
+              <a:t>머신러닝용</a:t>
+            </a:r>
+            <a:r>
+              <a:rPr lang="ko-KR" altLang="en-US" sz="2000" dirty="0" smtClean="0"/>
+              <a:t> </a:t>
+            </a:r>
+            <a:r>
+              <a:rPr lang="ko-KR" altLang="en-US" sz="2000" dirty="0" err="1" smtClean="0"/>
+              <a:t>오픈소스</a:t>
+            </a:r>
+            <a:r>
+              <a:rPr lang="ko-KR" altLang="en-US" sz="2000" dirty="0" smtClean="0"/>
+              <a:t> 플랫폼</a:t>
+            </a:r>
+            <a:endParaRPr lang="en-US" altLang="ko-KR" sz="2000" dirty="0" smtClean="0"/>
+          </a:p>
+          <a:p>
+            <a:pPr marL="285750" indent="-285750">
+              <a:lnSpc>
+                <a:spcPct val="150000"/>
+              </a:lnSpc>
+              <a:buFont typeface="Arial" panose="020B0604020202020204" pitchFamily="34" charset="0"/>
+              <a:buChar char="•"/>
+            </a:pPr>
+            <a:r>
+              <a:rPr lang="en-US" altLang="ko-KR" sz="2000" dirty="0" smtClean="0"/>
+              <a:t>Tensor</a:t>
+            </a:r>
+            <a:r>
+              <a:rPr lang="ko-KR" altLang="en-US" sz="2000" dirty="0" smtClean="0"/>
+              <a:t>는</a:t>
+            </a:r>
+            <a:r>
+              <a:rPr lang="en-US" altLang="ko-KR" sz="2000" dirty="0" smtClean="0"/>
+              <a:t> </a:t>
+            </a:r>
+            <a:r>
+              <a:rPr lang="ko-KR" altLang="en-US" sz="2000" dirty="0" smtClean="0"/>
+              <a:t>데이터의 가장 일반적 형태인 다차원 행렬을 의미함</a:t>
+            </a:r>
+            <a:endParaRPr lang="en-US" altLang="ko-KR" sz="2000" dirty="0" smtClean="0"/>
+          </a:p>
+          <a:p>
+            <a:pPr marL="285750" indent="-285750">
+              <a:lnSpc>
+                <a:spcPct val="150000"/>
+              </a:lnSpc>
+              <a:buFont typeface="Arial" panose="020B0604020202020204" pitchFamily="34" charset="0"/>
+              <a:buChar char="•"/>
+            </a:pPr>
+            <a:r>
+              <a:rPr lang="ko-KR" altLang="en-US" sz="2000" dirty="0" smtClean="0"/>
+              <a:t>학습과정을 </a:t>
+            </a:r>
+            <a:r>
+              <a:rPr lang="en-US" altLang="ko-KR" sz="2000" dirty="0" smtClean="0"/>
+              <a:t>Tensor</a:t>
+            </a:r>
+            <a:r>
+              <a:rPr lang="ko-KR" altLang="en-US" sz="2000" dirty="0" smtClean="0"/>
+              <a:t>들이 순차적으로 연산되는 </a:t>
+            </a:r>
+            <a:r>
+              <a:rPr lang="en-US" altLang="ko-KR" sz="2000" dirty="0" smtClean="0"/>
+              <a:t>Flow</a:t>
+            </a:r>
+            <a:r>
+              <a:rPr lang="ko-KR" altLang="en-US" sz="2000" dirty="0" smtClean="0"/>
+              <a:t>의 형태로 표현 가능 </a:t>
+            </a:r>
+            <a:endParaRPr lang="ko-KR" altLang="en-US" sz="2000" dirty="0"/>
           </a:p>
         </p:txBody>
       </p:sp>
     </p:spTree>
     <p:extLst>
       <p:ext uri="{BB962C8B-B14F-4D97-AF65-F5344CB8AC3E}">
-        <p14:creationId xmlns:p14="http://schemas.microsoft.com/office/powerpoint/2010/main" val="3522739064"/>
+        <p14:creationId xmlns:p14="http://schemas.microsoft.com/office/powerpoint/2010/main" val="3723337098"/>
       </p:ext>
     </p:extLst>
   </p:cSld>
@@ -24774,6 +24843,178 @@
             <p:ph type="title"/>
           </p:nvPr>
         </p:nvSpPr>
+        <p:spPr/>
+        <p:txBody>
+          <a:bodyPr/>
+          <a:lstStyle/>
+          <a:p>
+            <a:r>
+              <a:rPr lang="ko-KR" altLang="en-US" dirty="0" err="1" smtClean="0"/>
+              <a:t>구글</a:t>
+            </a:r>
+            <a:r>
+              <a:rPr lang="ko-KR" altLang="en-US" dirty="0" smtClean="0"/>
+              <a:t> </a:t>
+            </a:r>
+            <a:r>
+              <a:rPr lang="en-US" altLang="ko-KR" dirty="0" err="1" smtClean="0"/>
+              <a:t>colab</a:t>
+            </a:r>
+            <a:r>
+              <a:rPr lang="en-US" altLang="ko-KR" dirty="0" smtClean="0"/>
+              <a:t> </a:t>
+            </a:r>
+            <a:r>
+              <a:rPr lang="en-US" altLang="ko-KR" sz="3600" dirty="0" smtClean="0"/>
+              <a:t>(</a:t>
+            </a:r>
+            <a:r>
+              <a:rPr lang="ko-KR" altLang="en-US" sz="3600" dirty="0" err="1" smtClean="0"/>
+              <a:t>파이썬용</a:t>
+            </a:r>
+            <a:r>
+              <a:rPr lang="ko-KR" altLang="en-US" sz="3600" dirty="0" smtClean="0"/>
+              <a:t> </a:t>
+            </a:r>
+            <a:r>
+              <a:rPr lang="ko-KR" altLang="en-US" sz="3600" dirty="0" err="1" smtClean="0"/>
+              <a:t>클라우드</a:t>
+            </a:r>
+            <a:r>
+              <a:rPr lang="ko-KR" altLang="en-US" sz="3600" dirty="0" smtClean="0"/>
+              <a:t> 컴퓨팅 서버</a:t>
+            </a:r>
+            <a:r>
+              <a:rPr lang="en-US" altLang="ko-KR" sz="3600" dirty="0" smtClean="0"/>
+              <a:t>)</a:t>
+            </a:r>
+            <a:endParaRPr lang="ko-KR" altLang="en-US" sz="3600" dirty="0"/>
+          </a:p>
+        </p:txBody>
+      </p:sp>
+      <p:sp>
+        <p:nvSpPr>
+          <p:cNvPr id="4" name="내용 개체 틀 3"/>
+          <p:cNvSpPr>
+            <a:spLocks noGrp="1"/>
+          </p:cNvSpPr>
+          <p:nvPr>
+            <p:ph idx="1"/>
+          </p:nvPr>
+        </p:nvSpPr>
+        <p:spPr/>
+        <p:txBody>
+          <a:bodyPr/>
+          <a:lstStyle/>
+          <a:p>
+            <a:endParaRPr lang="ko-KR" altLang="en-US" dirty="0"/>
+          </a:p>
+        </p:txBody>
+      </p:sp>
+      <p:pic>
+        <p:nvPicPr>
+          <p:cNvPr id="6" name="그림 5">
+            <a:hlinkClick r:id="rId2"/>
+          </p:cNvPr>
+          <p:cNvPicPr>
+            <a:picLocks noChangeAspect="1"/>
+          </p:cNvPicPr>
+          <p:nvPr/>
+        </p:nvPicPr>
+        <p:blipFill>
+          <a:blip r:embed="rId3"/>
+          <a:stretch>
+            <a:fillRect/>
+          </a:stretch>
+        </p:blipFill>
+        <p:spPr>
+          <a:xfrm>
+            <a:off x="838200" y="1543555"/>
+            <a:ext cx="9446683" cy="4915477"/>
+          </a:xfrm>
+          <a:prstGeom prst="rect">
+            <a:avLst/>
+          </a:prstGeom>
+        </p:spPr>
+      </p:pic>
+      <p:sp>
+        <p:nvSpPr>
+          <p:cNvPr id="3" name="직사각형 2"/>
+          <p:cNvSpPr/>
+          <p:nvPr/>
+        </p:nvSpPr>
+        <p:spPr>
+          <a:xfrm>
+            <a:off x="899607" y="1267381"/>
+            <a:ext cx="3805722" cy="369332"/>
+          </a:xfrm>
+          <a:prstGeom prst="rect">
+            <a:avLst/>
+          </a:prstGeom>
+        </p:spPr>
+        <p:txBody>
+          <a:bodyPr wrap="none">
+            <a:spAutoFit/>
+          </a:bodyPr>
+          <a:lstStyle/>
+          <a:p>
+            <a:r>
+              <a:rPr lang="en-US" altLang="ko-KR" dirty="0">
+                <a:hlinkClick r:id="rId4"/>
+              </a:rPr>
+              <a:t>https://colab.research.google.com/</a:t>
+            </a:r>
+            <a:endParaRPr lang="ko-KR" altLang="en-US" dirty="0"/>
+          </a:p>
+        </p:txBody>
+      </p:sp>
+    </p:spTree>
+    <p:extLst>
+      <p:ext uri="{BB962C8B-B14F-4D97-AF65-F5344CB8AC3E}">
+        <p14:creationId xmlns:p14="http://schemas.microsoft.com/office/powerpoint/2010/main" val="3522739064"/>
+      </p:ext>
+    </p:extLst>
+  </p:cSld>
+  <p:clrMapOvr>
+    <a:masterClrMapping/>
+  </p:clrMapOvr>
+  <p:timing>
+    <p:tnLst>
+      <p:par>
+        <p:cTn id="1" dur="indefinite" restart="never" nodeType="tmRoot"/>
+      </p:par>
+    </p:tnLst>
+  </p:timing>
+</p:sld>
+</file>
+
+<file path=ppt/slides/slide22.xml><?xml version="1.0" encoding="utf-8"?>
+<p:sld xmlns:a="http://schemas.openxmlformats.org/drawingml/2006/main" xmlns:r="http://schemas.openxmlformats.org/officeDocument/2006/relationships" xmlns:p="http://schemas.openxmlformats.org/presentationml/2006/main">
+  <p:cSld>
+    <p:spTree>
+      <p:nvGrpSpPr>
+        <p:cNvPr id="1" name=""/>
+        <p:cNvGrpSpPr/>
+        <p:nvPr/>
+      </p:nvGrpSpPr>
+      <p:grpSpPr>
+        <a:xfrm>
+          <a:off x="0" y="0"/>
+          <a:ext cx="0" cy="0"/>
+          <a:chOff x="0" y="0"/>
+          <a:chExt cx="0" cy="0"/>
+        </a:xfrm>
+      </p:grpSpPr>
+      <p:sp>
+        <p:nvSpPr>
+          <p:cNvPr id="2" name="제목 1"/>
+          <p:cNvSpPr>
+            <a:spLocks noGrp="1"/>
+          </p:cNvSpPr>
+          <p:nvPr>
+            <p:ph type="title"/>
+          </p:nvPr>
+        </p:nvSpPr>
         <p:spPr>
           <a:xfrm>
             <a:off x="626533" y="0"/>
@@ -24896,7 +25137,7 @@
 </p:sld>
 </file>
 
-<file path=ppt/slides/slide22.xml><?xml version="1.0" encoding="utf-8"?>
+<file path=ppt/slides/slide23.xml><?xml version="1.0" encoding="utf-8"?>
 <p:sld xmlns:a="http://schemas.openxmlformats.org/drawingml/2006/main" xmlns:r="http://schemas.openxmlformats.org/officeDocument/2006/relationships" xmlns:p="http://schemas.openxmlformats.org/presentationml/2006/main">
   <p:cSld>
     <p:spTree>
